--- a/Split_fed/12_18.pptx
+++ b/Split_fed/12_18.pptx
@@ -5,14 +5,14 @@
     <p:sldMasterId id="2147483648" r:id="rId1"/>
   </p:sldMasterIdLst>
   <p:notesMasterIdLst>
-    <p:notesMasterId r:id="rId7"/>
+    <p:notesMasterId r:id="rId4"/>
   </p:notesMasterIdLst>
   <p:sldIdLst>
-    <p:sldId id="267" r:id="rId2"/>
-    <p:sldId id="266" r:id="rId3"/>
-    <p:sldId id="402" r:id="rId4"/>
-    <p:sldId id="404" r:id="rId5"/>
-    <p:sldId id="275" r:id="rId6"/>
+    <p:sldId id="267" r:id="rId3"/>
+    <p:sldId id="266" r:id="rId5"/>
+    <p:sldId id="402" r:id="rId6"/>
+    <p:sldId id="404" r:id="rId7"/>
+    <p:sldId id="275" r:id="rId8"/>
   </p:sldIdLst>
   <p:sldSz cx="12192000" cy="6858000"/>
   <p:notesSz cx="6858000" cy="9144000"/>
@@ -111,11 +111,6 @@
       </a:defRPr>
     </a:lvl9pPr>
   </p:defaultTextStyle>
-  <p:extLst>
-    <p:ext uri="{EFAFB233-063F-42B5-8137-9DF3F51BA10A}">
-      <p15:sldGuideLst xmlns:p15="http://schemas.microsoft.com/office/powerpoint/2012/main"/>
-    </p:ext>
-  </p:extLst>
 </p:presentation>
 </file>
 
@@ -201,7 +196,6 @@
           <a:p>
             <a:fld id="{D2A48B96-639E-45A3-A0BA-2464DFDB1FAA}" type="datetimeFigureOut">
               <a:rPr lang="zh-CN" altLang="en-US" smtClean="0"/>
-              <a:t>2023/12/18</a:t>
             </a:fld>
             <a:endParaRPr lang="zh-CN" altLang="en-US"/>
           </a:p>
@@ -268,6 +262,7 @@
               <a:rPr lang="zh-CN" altLang="en-US"/>
               <a:t>单击此处编辑母版文本样式</a:t>
             </a:r>
+            <a:endParaRPr lang="zh-CN" altLang="en-US"/>
           </a:p>
           <a:p>
             <a:pPr lvl="1"/>
@@ -275,6 +270,7 @@
               <a:rPr lang="zh-CN" altLang="en-US"/>
               <a:t>第二级</a:t>
             </a:r>
+            <a:endParaRPr lang="zh-CN" altLang="en-US"/>
           </a:p>
           <a:p>
             <a:pPr lvl="2"/>
@@ -282,6 +278,7 @@
               <a:rPr lang="zh-CN" altLang="en-US"/>
               <a:t>第三级</a:t>
             </a:r>
+            <a:endParaRPr lang="zh-CN" altLang="en-US"/>
           </a:p>
           <a:p>
             <a:pPr lvl="3"/>
@@ -289,6 +286,7 @@
               <a:rPr lang="zh-CN" altLang="en-US"/>
               <a:t>第四级</a:t>
             </a:r>
+            <a:endParaRPr lang="zh-CN" altLang="en-US"/>
           </a:p>
           <a:p>
             <a:pPr lvl="4"/>
@@ -296,6 +294,7 @@
               <a:rPr lang="zh-CN" altLang="en-US"/>
               <a:t>第五级</a:t>
             </a:r>
+            <a:endParaRPr lang="zh-CN" altLang="en-US"/>
           </a:p>
         </p:txBody>
       </p:sp>
@@ -359,7 +358,6 @@
           <a:p>
             <a:fld id="{A6837353-30EB-4A48-80EB-173D804AEFBD}" type="slidenum">
               <a:rPr lang="zh-CN" altLang="en-US" smtClean="0"/>
-              <a:t>‹#›</a:t>
             </a:fld>
             <a:endParaRPr lang="zh-CN" altLang="en-US"/>
           </a:p>
@@ -564,6 +562,7 @@
               <a:rPr lang="zh-CN" altLang="en-US"/>
               <a:t>单击此处编辑母版标题样式</a:t>
             </a:r>
+            <a:endParaRPr lang="zh-CN" altLang="en-US"/>
           </a:p>
         </p:txBody>
       </p:sp>
@@ -628,6 +627,7 @@
               <a:rPr lang="zh-CN" altLang="en-US"/>
               <a:t>单击此处编辑母版副标题样式</a:t>
             </a:r>
+            <a:endParaRPr lang="zh-CN" altLang="en-US"/>
           </a:p>
         </p:txBody>
       </p:sp>
@@ -648,7 +648,6 @@
           <a:p>
             <a:fld id="{AF3DFB88-C66D-4D4F-992A-21D8B5C2FC83}" type="datetimeFigureOut">
               <a:rPr lang="zh-CN" altLang="en-US" smtClean="0"/>
-              <a:t>2023/12/18</a:t>
             </a:fld>
             <a:endParaRPr lang="zh-CN" altLang="en-US"/>
           </a:p>
@@ -690,7 +689,6 @@
           <a:p>
             <a:fld id="{1D393944-DC62-4081-86B4-76E5FCA2F9B8}" type="slidenum">
               <a:rPr lang="zh-CN" altLang="en-US" smtClean="0"/>
-              <a:t>‹#›</a:t>
             </a:fld>
             <a:endParaRPr lang="zh-CN" altLang="en-US"/>
           </a:p>
@@ -740,6 +738,7 @@
               <a:rPr lang="zh-CN" altLang="en-US"/>
               <a:t>单击此处编辑母版标题样式</a:t>
             </a:r>
+            <a:endParaRPr lang="zh-CN" altLang="en-US"/>
           </a:p>
         </p:txBody>
       </p:sp>
@@ -763,6 +762,7 @@
               <a:rPr lang="zh-CN" altLang="en-US"/>
               <a:t>编辑母版文本样式</a:t>
             </a:r>
+            <a:endParaRPr lang="zh-CN" altLang="en-US"/>
           </a:p>
           <a:p>
             <a:pPr lvl="1"/>
@@ -770,6 +770,7 @@
               <a:rPr lang="zh-CN" altLang="en-US"/>
               <a:t>第二级</a:t>
             </a:r>
+            <a:endParaRPr lang="zh-CN" altLang="en-US"/>
           </a:p>
           <a:p>
             <a:pPr lvl="2"/>
@@ -777,6 +778,7 @@
               <a:rPr lang="zh-CN" altLang="en-US"/>
               <a:t>第三级</a:t>
             </a:r>
+            <a:endParaRPr lang="zh-CN" altLang="en-US"/>
           </a:p>
           <a:p>
             <a:pPr lvl="3"/>
@@ -784,6 +786,7 @@
               <a:rPr lang="zh-CN" altLang="en-US"/>
               <a:t>第四级</a:t>
             </a:r>
+            <a:endParaRPr lang="zh-CN" altLang="en-US"/>
           </a:p>
           <a:p>
             <a:pPr lvl="4"/>
@@ -791,6 +794,7 @@
               <a:rPr lang="zh-CN" altLang="en-US"/>
               <a:t>第五级</a:t>
             </a:r>
+            <a:endParaRPr lang="zh-CN" altLang="en-US"/>
           </a:p>
         </p:txBody>
       </p:sp>
@@ -811,7 +815,6 @@
           <a:p>
             <a:fld id="{AF3DFB88-C66D-4D4F-992A-21D8B5C2FC83}" type="datetimeFigureOut">
               <a:rPr lang="zh-CN" altLang="en-US" smtClean="0"/>
-              <a:t>2023/12/18</a:t>
             </a:fld>
             <a:endParaRPr lang="zh-CN" altLang="en-US"/>
           </a:p>
@@ -853,7 +856,6 @@
           <a:p>
             <a:fld id="{1D393944-DC62-4081-86B4-76E5FCA2F9B8}" type="slidenum">
               <a:rPr lang="zh-CN" altLang="en-US" smtClean="0"/>
-              <a:t>‹#›</a:t>
             </a:fld>
             <a:endParaRPr lang="zh-CN" altLang="en-US"/>
           </a:p>
@@ -908,6 +910,7 @@
               <a:rPr lang="zh-CN" altLang="en-US"/>
               <a:t>单击此处编辑母版标题样式</a:t>
             </a:r>
+            <a:endParaRPr lang="zh-CN" altLang="en-US"/>
           </a:p>
         </p:txBody>
       </p:sp>
@@ -936,6 +939,7 @@
               <a:rPr lang="zh-CN" altLang="en-US"/>
               <a:t>编辑母版文本样式</a:t>
             </a:r>
+            <a:endParaRPr lang="zh-CN" altLang="en-US"/>
           </a:p>
           <a:p>
             <a:pPr lvl="1"/>
@@ -943,6 +947,7 @@
               <a:rPr lang="zh-CN" altLang="en-US"/>
               <a:t>第二级</a:t>
             </a:r>
+            <a:endParaRPr lang="zh-CN" altLang="en-US"/>
           </a:p>
           <a:p>
             <a:pPr lvl="2"/>
@@ -950,6 +955,7 @@
               <a:rPr lang="zh-CN" altLang="en-US"/>
               <a:t>第三级</a:t>
             </a:r>
+            <a:endParaRPr lang="zh-CN" altLang="en-US"/>
           </a:p>
           <a:p>
             <a:pPr lvl="3"/>
@@ -957,6 +963,7 @@
               <a:rPr lang="zh-CN" altLang="en-US"/>
               <a:t>第四级</a:t>
             </a:r>
+            <a:endParaRPr lang="zh-CN" altLang="en-US"/>
           </a:p>
           <a:p>
             <a:pPr lvl="4"/>
@@ -964,6 +971,7 @@
               <a:rPr lang="zh-CN" altLang="en-US"/>
               <a:t>第五级</a:t>
             </a:r>
+            <a:endParaRPr lang="zh-CN" altLang="en-US"/>
           </a:p>
         </p:txBody>
       </p:sp>
@@ -984,7 +992,6 @@
           <a:p>
             <a:fld id="{AF3DFB88-C66D-4D4F-992A-21D8B5C2FC83}" type="datetimeFigureOut">
               <a:rPr lang="zh-CN" altLang="en-US" smtClean="0"/>
-              <a:t>2023/12/18</a:t>
             </a:fld>
             <a:endParaRPr lang="zh-CN" altLang="en-US"/>
           </a:p>
@@ -1026,7 +1033,6 @@
           <a:p>
             <a:fld id="{1D393944-DC62-4081-86B4-76E5FCA2F9B8}" type="slidenum">
               <a:rPr lang="zh-CN" altLang="en-US" smtClean="0"/>
-              <a:t>‹#›</a:t>
             </a:fld>
             <a:endParaRPr lang="zh-CN" altLang="en-US"/>
           </a:p>
@@ -1076,6 +1082,7 @@
               <a:rPr lang="zh-CN" altLang="en-US"/>
               <a:t>单击此处编辑母版标题样式</a:t>
             </a:r>
+            <a:endParaRPr lang="zh-CN" altLang="en-US"/>
           </a:p>
         </p:txBody>
       </p:sp>
@@ -1099,6 +1106,7 @@
               <a:rPr lang="zh-CN" altLang="en-US"/>
               <a:t>编辑母版文本样式</a:t>
             </a:r>
+            <a:endParaRPr lang="zh-CN" altLang="en-US"/>
           </a:p>
           <a:p>
             <a:pPr lvl="1"/>
@@ -1106,6 +1114,7 @@
               <a:rPr lang="zh-CN" altLang="en-US"/>
               <a:t>第二级</a:t>
             </a:r>
+            <a:endParaRPr lang="zh-CN" altLang="en-US"/>
           </a:p>
           <a:p>
             <a:pPr lvl="2"/>
@@ -1113,6 +1122,7 @@
               <a:rPr lang="zh-CN" altLang="en-US"/>
               <a:t>第三级</a:t>
             </a:r>
+            <a:endParaRPr lang="zh-CN" altLang="en-US"/>
           </a:p>
           <a:p>
             <a:pPr lvl="3"/>
@@ -1120,6 +1130,7 @@
               <a:rPr lang="zh-CN" altLang="en-US"/>
               <a:t>第四级</a:t>
             </a:r>
+            <a:endParaRPr lang="zh-CN" altLang="en-US"/>
           </a:p>
           <a:p>
             <a:pPr lvl="4"/>
@@ -1127,6 +1138,7 @@
               <a:rPr lang="zh-CN" altLang="en-US"/>
               <a:t>第五级</a:t>
             </a:r>
+            <a:endParaRPr lang="zh-CN" altLang="en-US"/>
           </a:p>
         </p:txBody>
       </p:sp>
@@ -1147,7 +1159,6 @@
           <a:p>
             <a:fld id="{AF3DFB88-C66D-4D4F-992A-21D8B5C2FC83}" type="datetimeFigureOut">
               <a:rPr lang="zh-CN" altLang="en-US" smtClean="0"/>
-              <a:t>2023/12/18</a:t>
             </a:fld>
             <a:endParaRPr lang="zh-CN" altLang="en-US"/>
           </a:p>
@@ -1189,7 +1200,6 @@
           <a:p>
             <a:fld id="{1D393944-DC62-4081-86B4-76E5FCA2F9B8}" type="slidenum">
               <a:rPr lang="zh-CN" altLang="en-US" smtClean="0"/>
-              <a:t>‹#›</a:t>
             </a:fld>
             <a:endParaRPr lang="zh-CN" altLang="en-US"/>
           </a:p>
@@ -1248,6 +1258,7 @@
               <a:rPr lang="zh-CN" altLang="en-US"/>
               <a:t>单击此处编辑母版标题样式</a:t>
             </a:r>
+            <a:endParaRPr lang="zh-CN" altLang="en-US"/>
           </a:p>
         </p:txBody>
       </p:sp>
@@ -1367,6 +1378,7 @@
               <a:rPr lang="zh-CN" altLang="en-US"/>
               <a:t>编辑母版文本样式</a:t>
             </a:r>
+            <a:endParaRPr lang="zh-CN" altLang="en-US"/>
           </a:p>
         </p:txBody>
       </p:sp>
@@ -1387,7 +1399,6 @@
           <a:p>
             <a:fld id="{AF3DFB88-C66D-4D4F-992A-21D8B5C2FC83}" type="datetimeFigureOut">
               <a:rPr lang="zh-CN" altLang="en-US" smtClean="0"/>
-              <a:t>2023/12/18</a:t>
             </a:fld>
             <a:endParaRPr lang="zh-CN" altLang="en-US"/>
           </a:p>
@@ -1429,7 +1440,6 @@
           <a:p>
             <a:fld id="{1D393944-DC62-4081-86B4-76E5FCA2F9B8}" type="slidenum">
               <a:rPr lang="zh-CN" altLang="en-US" smtClean="0"/>
-              <a:t>‹#›</a:t>
             </a:fld>
             <a:endParaRPr lang="zh-CN" altLang="en-US"/>
           </a:p>
@@ -1479,6 +1489,7 @@
               <a:rPr lang="zh-CN" altLang="en-US"/>
               <a:t>单击此处编辑母版标题样式</a:t>
             </a:r>
+            <a:endParaRPr lang="zh-CN" altLang="en-US"/>
           </a:p>
         </p:txBody>
       </p:sp>
@@ -1507,6 +1518,7 @@
               <a:rPr lang="zh-CN" altLang="en-US"/>
               <a:t>编辑母版文本样式</a:t>
             </a:r>
+            <a:endParaRPr lang="zh-CN" altLang="en-US"/>
           </a:p>
           <a:p>
             <a:pPr lvl="1"/>
@@ -1514,6 +1526,7 @@
               <a:rPr lang="zh-CN" altLang="en-US"/>
               <a:t>第二级</a:t>
             </a:r>
+            <a:endParaRPr lang="zh-CN" altLang="en-US"/>
           </a:p>
           <a:p>
             <a:pPr lvl="2"/>
@@ -1521,6 +1534,7 @@
               <a:rPr lang="zh-CN" altLang="en-US"/>
               <a:t>第三级</a:t>
             </a:r>
+            <a:endParaRPr lang="zh-CN" altLang="en-US"/>
           </a:p>
           <a:p>
             <a:pPr lvl="3"/>
@@ -1528,6 +1542,7 @@
               <a:rPr lang="zh-CN" altLang="en-US"/>
               <a:t>第四级</a:t>
             </a:r>
+            <a:endParaRPr lang="zh-CN" altLang="en-US"/>
           </a:p>
           <a:p>
             <a:pPr lvl="4"/>
@@ -1535,6 +1550,7 @@
               <a:rPr lang="zh-CN" altLang="en-US"/>
               <a:t>第五级</a:t>
             </a:r>
+            <a:endParaRPr lang="zh-CN" altLang="en-US"/>
           </a:p>
         </p:txBody>
       </p:sp>
@@ -1563,6 +1579,7 @@
               <a:rPr lang="zh-CN" altLang="en-US"/>
               <a:t>编辑母版文本样式</a:t>
             </a:r>
+            <a:endParaRPr lang="zh-CN" altLang="en-US"/>
           </a:p>
           <a:p>
             <a:pPr lvl="1"/>
@@ -1570,6 +1587,7 @@
               <a:rPr lang="zh-CN" altLang="en-US"/>
               <a:t>第二级</a:t>
             </a:r>
+            <a:endParaRPr lang="zh-CN" altLang="en-US"/>
           </a:p>
           <a:p>
             <a:pPr lvl="2"/>
@@ -1577,6 +1595,7 @@
               <a:rPr lang="zh-CN" altLang="en-US"/>
               <a:t>第三级</a:t>
             </a:r>
+            <a:endParaRPr lang="zh-CN" altLang="en-US"/>
           </a:p>
           <a:p>
             <a:pPr lvl="3"/>
@@ -1584,6 +1603,7 @@
               <a:rPr lang="zh-CN" altLang="en-US"/>
               <a:t>第四级</a:t>
             </a:r>
+            <a:endParaRPr lang="zh-CN" altLang="en-US"/>
           </a:p>
           <a:p>
             <a:pPr lvl="4"/>
@@ -1591,6 +1611,7 @@
               <a:rPr lang="zh-CN" altLang="en-US"/>
               <a:t>第五级</a:t>
             </a:r>
+            <a:endParaRPr lang="zh-CN" altLang="en-US"/>
           </a:p>
         </p:txBody>
       </p:sp>
@@ -1611,7 +1632,6 @@
           <a:p>
             <a:fld id="{AF3DFB88-C66D-4D4F-992A-21D8B5C2FC83}" type="datetimeFigureOut">
               <a:rPr lang="zh-CN" altLang="en-US" smtClean="0"/>
-              <a:t>2023/12/18</a:t>
             </a:fld>
             <a:endParaRPr lang="zh-CN" altLang="en-US"/>
           </a:p>
@@ -1653,7 +1673,6 @@
           <a:p>
             <a:fld id="{1D393944-DC62-4081-86B4-76E5FCA2F9B8}" type="slidenum">
               <a:rPr lang="zh-CN" altLang="en-US" smtClean="0"/>
-              <a:t>‹#›</a:t>
             </a:fld>
             <a:endParaRPr lang="zh-CN" altLang="en-US"/>
           </a:p>
@@ -1708,6 +1727,7 @@
               <a:rPr lang="zh-CN" altLang="en-US"/>
               <a:t>单击此处编辑母版标题样式</a:t>
             </a:r>
+            <a:endParaRPr lang="zh-CN" altLang="en-US"/>
           </a:p>
         </p:txBody>
       </p:sp>
@@ -1773,6 +1793,7 @@
               <a:rPr lang="zh-CN" altLang="en-US"/>
               <a:t>编辑母版文本样式</a:t>
             </a:r>
+            <a:endParaRPr lang="zh-CN" altLang="en-US"/>
           </a:p>
         </p:txBody>
       </p:sp>
@@ -1801,6 +1822,7 @@
               <a:rPr lang="zh-CN" altLang="en-US"/>
               <a:t>编辑母版文本样式</a:t>
             </a:r>
+            <a:endParaRPr lang="zh-CN" altLang="en-US"/>
           </a:p>
           <a:p>
             <a:pPr lvl="1"/>
@@ -1808,6 +1830,7 @@
               <a:rPr lang="zh-CN" altLang="en-US"/>
               <a:t>第二级</a:t>
             </a:r>
+            <a:endParaRPr lang="zh-CN" altLang="en-US"/>
           </a:p>
           <a:p>
             <a:pPr lvl="2"/>
@@ -1815,6 +1838,7 @@
               <a:rPr lang="zh-CN" altLang="en-US"/>
               <a:t>第三级</a:t>
             </a:r>
+            <a:endParaRPr lang="zh-CN" altLang="en-US"/>
           </a:p>
           <a:p>
             <a:pPr lvl="3"/>
@@ -1822,6 +1846,7 @@
               <a:rPr lang="zh-CN" altLang="en-US"/>
               <a:t>第四级</a:t>
             </a:r>
+            <a:endParaRPr lang="zh-CN" altLang="en-US"/>
           </a:p>
           <a:p>
             <a:pPr lvl="4"/>
@@ -1829,6 +1854,7 @@
               <a:rPr lang="zh-CN" altLang="en-US"/>
               <a:t>第五级</a:t>
             </a:r>
+            <a:endParaRPr lang="zh-CN" altLang="en-US"/>
           </a:p>
         </p:txBody>
       </p:sp>
@@ -1894,6 +1920,7 @@
               <a:rPr lang="zh-CN" altLang="en-US"/>
               <a:t>编辑母版文本样式</a:t>
             </a:r>
+            <a:endParaRPr lang="zh-CN" altLang="en-US"/>
           </a:p>
         </p:txBody>
       </p:sp>
@@ -1922,6 +1949,7 @@
               <a:rPr lang="zh-CN" altLang="en-US"/>
               <a:t>编辑母版文本样式</a:t>
             </a:r>
+            <a:endParaRPr lang="zh-CN" altLang="en-US"/>
           </a:p>
           <a:p>
             <a:pPr lvl="1"/>
@@ -1929,6 +1957,7 @@
               <a:rPr lang="zh-CN" altLang="en-US"/>
               <a:t>第二级</a:t>
             </a:r>
+            <a:endParaRPr lang="zh-CN" altLang="en-US"/>
           </a:p>
           <a:p>
             <a:pPr lvl="2"/>
@@ -1936,6 +1965,7 @@
               <a:rPr lang="zh-CN" altLang="en-US"/>
               <a:t>第三级</a:t>
             </a:r>
+            <a:endParaRPr lang="zh-CN" altLang="en-US"/>
           </a:p>
           <a:p>
             <a:pPr lvl="3"/>
@@ -1943,6 +1973,7 @@
               <a:rPr lang="zh-CN" altLang="en-US"/>
               <a:t>第四级</a:t>
             </a:r>
+            <a:endParaRPr lang="zh-CN" altLang="en-US"/>
           </a:p>
           <a:p>
             <a:pPr lvl="4"/>
@@ -1950,6 +1981,7 @@
               <a:rPr lang="zh-CN" altLang="en-US"/>
               <a:t>第五级</a:t>
             </a:r>
+            <a:endParaRPr lang="zh-CN" altLang="en-US"/>
           </a:p>
         </p:txBody>
       </p:sp>
@@ -1970,7 +2002,6 @@
           <a:p>
             <a:fld id="{AF3DFB88-C66D-4D4F-992A-21D8B5C2FC83}" type="datetimeFigureOut">
               <a:rPr lang="zh-CN" altLang="en-US" smtClean="0"/>
-              <a:t>2023/12/18</a:t>
             </a:fld>
             <a:endParaRPr lang="zh-CN" altLang="en-US"/>
           </a:p>
@@ -2012,7 +2043,6 @@
           <a:p>
             <a:fld id="{1D393944-DC62-4081-86B4-76E5FCA2F9B8}" type="slidenum">
               <a:rPr lang="zh-CN" altLang="en-US" smtClean="0"/>
-              <a:t>‹#›</a:t>
             </a:fld>
             <a:endParaRPr lang="zh-CN" altLang="en-US"/>
           </a:p>
@@ -2062,6 +2092,7 @@
               <a:rPr lang="zh-CN" altLang="en-US"/>
               <a:t>单击此处编辑母版标题样式</a:t>
             </a:r>
+            <a:endParaRPr lang="zh-CN" altLang="en-US"/>
           </a:p>
         </p:txBody>
       </p:sp>
@@ -2082,7 +2113,6 @@
           <a:p>
             <a:fld id="{AF3DFB88-C66D-4D4F-992A-21D8B5C2FC83}" type="datetimeFigureOut">
               <a:rPr lang="zh-CN" altLang="en-US" smtClean="0"/>
-              <a:t>2023/12/18</a:t>
             </a:fld>
             <a:endParaRPr lang="zh-CN" altLang="en-US"/>
           </a:p>
@@ -2124,7 +2154,6 @@
           <a:p>
             <a:fld id="{1D393944-DC62-4081-86B4-76E5FCA2F9B8}" type="slidenum">
               <a:rPr lang="zh-CN" altLang="en-US" smtClean="0"/>
-              <a:t>‹#›</a:t>
             </a:fld>
             <a:endParaRPr lang="zh-CN" altLang="en-US"/>
           </a:p>
@@ -2172,7 +2201,6 @@
           <a:p>
             <a:fld id="{AF3DFB88-C66D-4D4F-992A-21D8B5C2FC83}" type="datetimeFigureOut">
               <a:rPr lang="zh-CN" altLang="en-US" smtClean="0"/>
-              <a:t>2023/12/18</a:t>
             </a:fld>
             <a:endParaRPr lang="zh-CN" altLang="en-US"/>
           </a:p>
@@ -2214,7 +2242,6 @@
           <a:p>
             <a:fld id="{1D393944-DC62-4081-86B4-76E5FCA2F9B8}" type="slidenum">
               <a:rPr lang="zh-CN" altLang="en-US" smtClean="0"/>
-              <a:t>‹#›</a:t>
             </a:fld>
             <a:endParaRPr lang="zh-CN" altLang="en-US"/>
           </a:p>
@@ -2273,6 +2300,7 @@
               <a:rPr lang="zh-CN" altLang="en-US"/>
               <a:t>单击此处编辑母版标题样式</a:t>
             </a:r>
+            <a:endParaRPr lang="zh-CN" altLang="en-US"/>
           </a:p>
         </p:txBody>
       </p:sp>
@@ -2329,6 +2357,7 @@
               <a:rPr lang="zh-CN" altLang="en-US"/>
               <a:t>编辑母版文本样式</a:t>
             </a:r>
+            <a:endParaRPr lang="zh-CN" altLang="en-US"/>
           </a:p>
           <a:p>
             <a:pPr lvl="1"/>
@@ -2336,6 +2365,7 @@
               <a:rPr lang="zh-CN" altLang="en-US"/>
               <a:t>第二级</a:t>
             </a:r>
+            <a:endParaRPr lang="zh-CN" altLang="en-US"/>
           </a:p>
           <a:p>
             <a:pPr lvl="2"/>
@@ -2343,6 +2373,7 @@
               <a:rPr lang="zh-CN" altLang="en-US"/>
               <a:t>第三级</a:t>
             </a:r>
+            <a:endParaRPr lang="zh-CN" altLang="en-US"/>
           </a:p>
           <a:p>
             <a:pPr lvl="3"/>
@@ -2350,6 +2381,7 @@
               <a:rPr lang="zh-CN" altLang="en-US"/>
               <a:t>第四级</a:t>
             </a:r>
+            <a:endParaRPr lang="zh-CN" altLang="en-US"/>
           </a:p>
           <a:p>
             <a:pPr lvl="4"/>
@@ -2357,6 +2389,7 @@
               <a:rPr lang="zh-CN" altLang="en-US"/>
               <a:t>第五级</a:t>
             </a:r>
+            <a:endParaRPr lang="zh-CN" altLang="en-US"/>
           </a:p>
         </p:txBody>
       </p:sp>
@@ -2422,6 +2455,7 @@
               <a:rPr lang="zh-CN" altLang="en-US"/>
               <a:t>编辑母版文本样式</a:t>
             </a:r>
+            <a:endParaRPr lang="zh-CN" altLang="en-US"/>
           </a:p>
         </p:txBody>
       </p:sp>
@@ -2442,7 +2476,6 @@
           <a:p>
             <a:fld id="{AF3DFB88-C66D-4D4F-992A-21D8B5C2FC83}" type="datetimeFigureOut">
               <a:rPr lang="zh-CN" altLang="en-US" smtClean="0"/>
-              <a:t>2023/12/18</a:t>
             </a:fld>
             <a:endParaRPr lang="zh-CN" altLang="en-US"/>
           </a:p>
@@ -2484,7 +2517,6 @@
           <a:p>
             <a:fld id="{1D393944-DC62-4081-86B4-76E5FCA2F9B8}" type="slidenum">
               <a:rPr lang="zh-CN" altLang="en-US" smtClean="0"/>
-              <a:t>‹#›</a:t>
             </a:fld>
             <a:endParaRPr lang="zh-CN" altLang="en-US"/>
           </a:p>
@@ -2543,6 +2575,7 @@
               <a:rPr lang="zh-CN" altLang="en-US"/>
               <a:t>单击此处编辑母版标题样式</a:t>
             </a:r>
+            <a:endParaRPr lang="zh-CN" altLang="en-US"/>
           </a:p>
         </p:txBody>
       </p:sp>
@@ -2669,6 +2702,7 @@
               <a:rPr lang="zh-CN" altLang="en-US"/>
               <a:t>编辑母版文本样式</a:t>
             </a:r>
+            <a:endParaRPr lang="zh-CN" altLang="en-US"/>
           </a:p>
         </p:txBody>
       </p:sp>
@@ -2689,7 +2723,6 @@
           <a:p>
             <a:fld id="{AF3DFB88-C66D-4D4F-992A-21D8B5C2FC83}" type="datetimeFigureOut">
               <a:rPr lang="zh-CN" altLang="en-US" smtClean="0"/>
-              <a:t>2023/12/18</a:t>
             </a:fld>
             <a:endParaRPr lang="zh-CN" altLang="en-US"/>
           </a:p>
@@ -2731,7 +2764,6 @@
           <a:p>
             <a:fld id="{1D393944-DC62-4081-86B4-76E5FCA2F9B8}" type="slidenum">
               <a:rPr lang="zh-CN" altLang="en-US" smtClean="0"/>
-              <a:t>‹#›</a:t>
             </a:fld>
             <a:endParaRPr lang="zh-CN" altLang="en-US"/>
           </a:p>
@@ -2796,6 +2828,7 @@
               <a:rPr lang="zh-CN" altLang="en-US"/>
               <a:t>单击此处编辑母版标题样式</a:t>
             </a:r>
+            <a:endParaRPr lang="zh-CN" altLang="en-US"/>
           </a:p>
         </p:txBody>
       </p:sp>
@@ -2829,6 +2862,7 @@
               <a:rPr lang="zh-CN" altLang="en-US"/>
               <a:t>编辑母版文本样式</a:t>
             </a:r>
+            <a:endParaRPr lang="zh-CN" altLang="en-US"/>
           </a:p>
           <a:p>
             <a:pPr lvl="1"/>
@@ -2836,6 +2870,7 @@
               <a:rPr lang="zh-CN" altLang="en-US"/>
               <a:t>第二级</a:t>
             </a:r>
+            <a:endParaRPr lang="zh-CN" altLang="en-US"/>
           </a:p>
           <a:p>
             <a:pPr lvl="2"/>
@@ -2843,6 +2878,7 @@
               <a:rPr lang="zh-CN" altLang="en-US"/>
               <a:t>第三级</a:t>
             </a:r>
+            <a:endParaRPr lang="zh-CN" altLang="en-US"/>
           </a:p>
           <a:p>
             <a:pPr lvl="3"/>
@@ -2850,6 +2886,7 @@
               <a:rPr lang="zh-CN" altLang="en-US"/>
               <a:t>第四级</a:t>
             </a:r>
+            <a:endParaRPr lang="zh-CN" altLang="en-US"/>
           </a:p>
           <a:p>
             <a:pPr lvl="4"/>
@@ -2857,6 +2894,7 @@
               <a:rPr lang="zh-CN" altLang="en-US"/>
               <a:t>第五级</a:t>
             </a:r>
+            <a:endParaRPr lang="zh-CN" altLang="en-US"/>
           </a:p>
         </p:txBody>
       </p:sp>
@@ -2895,7 +2933,6 @@
           <a:p>
             <a:fld id="{AF3DFB88-C66D-4D4F-992A-21D8B5C2FC83}" type="datetimeFigureOut">
               <a:rPr lang="zh-CN" altLang="en-US" smtClean="0"/>
-              <a:t>2023/12/18</a:t>
             </a:fld>
             <a:endParaRPr lang="zh-CN" altLang="en-US"/>
           </a:p>
@@ -2973,7 +3010,6 @@
           <a:p>
             <a:fld id="{1D393944-DC62-4081-86B4-76E5FCA2F9B8}" type="slidenum">
               <a:rPr lang="zh-CN" altLang="en-US" smtClean="0"/>
-              <a:t>‹#›</a:t>
             </a:fld>
             <a:endParaRPr lang="zh-CN" altLang="en-US"/>
           </a:p>
@@ -3304,7 +3340,7 @@
           <p:nvPr/>
         </p:nvPicPr>
         <p:blipFill>
-          <a:blip r:embed="rId3"/>
+          <a:blip r:embed="rId1"/>
           <a:stretch>
             <a:fillRect/>
           </a:stretch>
@@ -3328,7 +3364,7 @@
           <p:nvPr/>
         </p:nvPicPr>
         <p:blipFill>
-          <a:blip r:embed="rId4"/>
+          <a:blip r:embed="rId2"/>
           <a:stretch>
             <a:fillRect/>
           </a:stretch>
@@ -3352,7 +3388,7 @@
           <p:nvPr/>
         </p:nvPicPr>
         <p:blipFill rotWithShape="1">
-          <a:blip r:embed="rId4"/>
+          <a:blip r:embed="rId2"/>
           <a:srcRect l="13807"/>
           <a:stretch>
             <a:fillRect/>
@@ -3377,7 +3413,7 @@
           <p:nvPr/>
         </p:nvPicPr>
         <p:blipFill rotWithShape="1">
-          <a:blip r:embed="rId4"/>
+          <a:blip r:embed="rId2"/>
           <a:srcRect l="11337" r="31759"/>
           <a:stretch>
             <a:fillRect/>
@@ -3402,7 +3438,7 @@
           <p:nvPr/>
         </p:nvPicPr>
         <p:blipFill>
-          <a:blip r:embed="rId5"/>
+          <a:blip r:embed="rId3"/>
           <a:stretch>
             <a:fillRect/>
           </a:stretch>
@@ -3517,13 +3553,13 @@
   <p:clrMapOvr>
     <a:masterClrMapping/>
   </p:clrMapOvr>
-  <mc:AlternateContent xmlns:mc="http://schemas.openxmlformats.org/markup-compatibility/2006" xmlns:p14="http://schemas.microsoft.com/office/powerpoint/2010/main">
-    <mc:Choice Requires="p14">
+  <mc:AlternateContent xmlns:mc="http://schemas.openxmlformats.org/markup-compatibility/2006">
+    <mc:Choice xmlns:p14="http://schemas.microsoft.com/office/powerpoint/2010/main" Requires="p14">
       <p:transition spd="med" p14:dur="700">
         <p:fade/>
       </p:transition>
     </mc:Choice>
-    <mc:Fallback xmlns="">
+    <mc:Fallback>
       <p:transition spd="med">
         <p:fade/>
       </p:transition>
@@ -3602,6 +3638,30 @@
           <p:nvPr/>
         </p:nvPicPr>
         <p:blipFill>
+          <a:blip r:embed="rId1"/>
+          <a:stretch>
+            <a:fillRect/>
+          </a:stretch>
+        </p:blipFill>
+        <p:spPr>
+          <a:xfrm>
+            <a:off x="-13252" y="4877075"/>
+            <a:ext cx="12192000" cy="1980925"/>
+          </a:xfrm>
+          <a:prstGeom prst="rect">
+            <a:avLst/>
+          </a:prstGeom>
+        </p:spPr>
+      </p:pic>
+      <p:pic>
+        <p:nvPicPr>
+          <p:cNvPr id="8" name="图片 7"/>
+          <p:cNvPicPr>
+            <a:picLocks noChangeAspect="1"/>
+          </p:cNvPicPr>
+          <p:nvPr/>
+        </p:nvPicPr>
+        <p:blipFill>
           <a:blip r:embed="rId2"/>
           <a:stretch>
             <a:fillRect/>
@@ -3609,8 +3669,8 @@
         </p:blipFill>
         <p:spPr>
           <a:xfrm>
-            <a:off x="-13252" y="4877075"/>
-            <a:ext cx="12192000" cy="1980925"/>
+            <a:off x="439676" y="307638"/>
+            <a:ext cx="265554" cy="934751"/>
           </a:xfrm>
           <a:prstGeom prst="rect">
             <a:avLst/>
@@ -3619,7 +3679,7 @@
       </p:pic>
       <p:pic>
         <p:nvPicPr>
-          <p:cNvPr id="8" name="图片 7"/>
+          <p:cNvPr id="9" name="图片 8"/>
           <p:cNvPicPr>
             <a:picLocks noChangeAspect="1"/>
           </p:cNvPicPr>
@@ -3633,8 +3693,8 @@
         </p:blipFill>
         <p:spPr>
           <a:xfrm>
-            <a:off x="439676" y="307638"/>
-            <a:ext cx="265554" cy="934751"/>
+            <a:off x="-22104" y="5391540"/>
+            <a:ext cx="5018936" cy="1334540"/>
           </a:xfrm>
           <a:prstGeom prst="rect">
             <a:avLst/>
@@ -3643,7 +3703,57 @@
       </p:pic>
       <p:pic>
         <p:nvPicPr>
-          <p:cNvPr id="9" name="图片 8"/>
+          <p:cNvPr id="7" name="图片 6"/>
+          <p:cNvPicPr>
+            <a:picLocks noChangeAspect="1"/>
+          </p:cNvPicPr>
+          <p:nvPr/>
+        </p:nvPicPr>
+        <p:blipFill rotWithShape="1">
+          <a:blip r:embed="rId3"/>
+          <a:srcRect l="13807"/>
+          <a:stretch>
+            <a:fillRect/>
+          </a:stretch>
+        </p:blipFill>
+        <p:spPr>
+          <a:xfrm>
+            <a:off x="4996832" y="5391540"/>
+            <a:ext cx="4325964" cy="1334540"/>
+          </a:xfrm>
+          <a:prstGeom prst="rect">
+            <a:avLst/>
+          </a:prstGeom>
+        </p:spPr>
+      </p:pic>
+      <p:pic>
+        <p:nvPicPr>
+          <p:cNvPr id="10" name="图片 9"/>
+          <p:cNvPicPr>
+            <a:picLocks noChangeAspect="1"/>
+          </p:cNvPicPr>
+          <p:nvPr/>
+        </p:nvPicPr>
+        <p:blipFill rotWithShape="1">
+          <a:blip r:embed="rId3"/>
+          <a:srcRect l="11337" r="31759"/>
+          <a:stretch>
+            <a:fillRect/>
+          </a:stretch>
+        </p:blipFill>
+        <p:spPr>
+          <a:xfrm flipH="1">
+            <a:off x="9322796" y="5391540"/>
+            <a:ext cx="2855952" cy="1334540"/>
+          </a:xfrm>
+          <a:prstGeom prst="rect">
+            <a:avLst/>
+          </a:prstGeom>
+        </p:spPr>
+      </p:pic>
+      <p:pic>
+        <p:nvPicPr>
+          <p:cNvPr id="5" name="图片 4"/>
           <p:cNvPicPr>
             <a:picLocks noChangeAspect="1"/>
           </p:cNvPicPr>
@@ -3657,80 +3767,6 @@
         </p:blipFill>
         <p:spPr>
           <a:xfrm>
-            <a:off x="-22104" y="5391540"/>
-            <a:ext cx="5018936" cy="1334540"/>
-          </a:xfrm>
-          <a:prstGeom prst="rect">
-            <a:avLst/>
-          </a:prstGeom>
-        </p:spPr>
-      </p:pic>
-      <p:pic>
-        <p:nvPicPr>
-          <p:cNvPr id="7" name="图片 6"/>
-          <p:cNvPicPr>
-            <a:picLocks noChangeAspect="1"/>
-          </p:cNvPicPr>
-          <p:nvPr/>
-        </p:nvPicPr>
-        <p:blipFill rotWithShape="1">
-          <a:blip r:embed="rId4"/>
-          <a:srcRect l="13807"/>
-          <a:stretch>
-            <a:fillRect/>
-          </a:stretch>
-        </p:blipFill>
-        <p:spPr>
-          <a:xfrm>
-            <a:off x="4996832" y="5391540"/>
-            <a:ext cx="4325964" cy="1334540"/>
-          </a:xfrm>
-          <a:prstGeom prst="rect">
-            <a:avLst/>
-          </a:prstGeom>
-        </p:spPr>
-      </p:pic>
-      <p:pic>
-        <p:nvPicPr>
-          <p:cNvPr id="10" name="图片 9"/>
-          <p:cNvPicPr>
-            <a:picLocks noChangeAspect="1"/>
-          </p:cNvPicPr>
-          <p:nvPr/>
-        </p:nvPicPr>
-        <p:blipFill rotWithShape="1">
-          <a:blip r:embed="rId4"/>
-          <a:srcRect l="11337" r="31759"/>
-          <a:stretch>
-            <a:fillRect/>
-          </a:stretch>
-        </p:blipFill>
-        <p:spPr>
-          <a:xfrm flipH="1">
-            <a:off x="9322796" y="5391540"/>
-            <a:ext cx="2855952" cy="1334540"/>
-          </a:xfrm>
-          <a:prstGeom prst="rect">
-            <a:avLst/>
-          </a:prstGeom>
-        </p:spPr>
-      </p:pic>
-      <p:pic>
-        <p:nvPicPr>
-          <p:cNvPr id="5" name="图片 4"/>
-          <p:cNvPicPr>
-            <a:picLocks noChangeAspect="1"/>
-          </p:cNvPicPr>
-          <p:nvPr/>
-        </p:nvPicPr>
-        <p:blipFill>
-          <a:blip r:embed="rId5"/>
-          <a:stretch>
-            <a:fillRect/>
-          </a:stretch>
-        </p:blipFill>
-        <p:spPr>
-          <a:xfrm>
             <a:off x="9515388" y="485139"/>
             <a:ext cx="2358781" cy="579748"/>
           </a:xfrm>
@@ -3840,6 +3876,10 @@
               </a:rPr>
               <a:t>Code accuracy verification</a:t>
             </a:r>
+            <a:endParaRPr lang="en-US" altLang="zh-CN" sz="3200" dirty="0">
+              <a:latin typeface="微软雅黑" panose="020B0503020204020204" pitchFamily="34" charset="-122"/>
+              <a:ea typeface="微软雅黑" panose="020B0503020204020204" pitchFamily="34" charset="-122"/>
+            </a:endParaRPr>
           </a:p>
           <a:p>
             <a:pPr marL="571500" indent="-571500" algn="l">
@@ -3856,6 +3896,10 @@
               </a:rPr>
               <a:t>New model algorithm</a:t>
             </a:r>
+            <a:endParaRPr lang="en-US" altLang="zh-CN" sz="3200" dirty="0">
+              <a:latin typeface="微软雅黑" panose="020B0503020204020204" pitchFamily="34" charset="-122"/>
+              <a:ea typeface="微软雅黑" panose="020B0503020204020204" pitchFamily="34" charset="-122"/>
+            </a:endParaRPr>
           </a:p>
         </p:txBody>
       </p:sp>
@@ -3864,13 +3908,13 @@
   <p:clrMapOvr>
     <a:masterClrMapping/>
   </p:clrMapOvr>
-  <mc:AlternateContent xmlns:mc="http://schemas.openxmlformats.org/markup-compatibility/2006" xmlns:p14="http://schemas.microsoft.com/office/powerpoint/2010/main">
-    <mc:Choice Requires="p14">
+  <mc:AlternateContent xmlns:mc="http://schemas.openxmlformats.org/markup-compatibility/2006">
+    <mc:Choice xmlns:p14="http://schemas.microsoft.com/office/powerpoint/2010/main" Requires="p14">
       <p:transition spd="med" p14:dur="700">
         <p:fade/>
       </p:transition>
     </mc:Choice>
-    <mc:Fallback xmlns="">
+    <mc:Fallback>
       <p:transition spd="med">
         <p:fade/>
       </p:transition>
@@ -3931,12 +3975,41 @@
               </a:rPr>
               <a:t>Code accuracy verification</a:t>
             </a:r>
+            <a:endParaRPr lang="en-US" sz="3200" b="1" dirty="0">
+              <a:latin typeface="微软雅黑" panose="020B0503020204020204" pitchFamily="34" charset="-122"/>
+              <a:ea typeface="微软雅黑" panose="020B0503020204020204" pitchFamily="34" charset="-122"/>
+              <a:sym typeface="+mn-ea"/>
+            </a:endParaRPr>
           </a:p>
         </p:txBody>
       </p:sp>
       <p:pic>
         <p:nvPicPr>
           <p:cNvPr id="3" name="图片 2"/>
+          <p:cNvPicPr>
+            <a:picLocks noChangeAspect="1"/>
+          </p:cNvPicPr>
+          <p:nvPr/>
+        </p:nvPicPr>
+        <p:blipFill>
+          <a:blip r:embed="rId1"/>
+          <a:stretch>
+            <a:fillRect/>
+          </a:stretch>
+        </p:blipFill>
+        <p:spPr>
+          <a:xfrm>
+            <a:off x="-83" y="4876490"/>
+            <a:ext cx="12192000" cy="1980925"/>
+          </a:xfrm>
+          <a:prstGeom prst="rect">
+            <a:avLst/>
+          </a:prstGeom>
+        </p:spPr>
+      </p:pic>
+      <p:pic>
+        <p:nvPicPr>
+          <p:cNvPr id="8" name="图片 7"/>
           <p:cNvPicPr>
             <a:picLocks noChangeAspect="1"/>
           </p:cNvPicPr>
@@ -3950,8 +4023,8 @@
         </p:blipFill>
         <p:spPr>
           <a:xfrm>
-            <a:off x="-83" y="4876490"/>
-            <a:ext cx="12192000" cy="1980925"/>
+            <a:off x="439676" y="307638"/>
+            <a:ext cx="265554" cy="934751"/>
           </a:xfrm>
           <a:prstGeom prst="rect">
             <a:avLst/>
@@ -3960,7 +4033,7 @@
       </p:pic>
       <p:pic>
         <p:nvPicPr>
-          <p:cNvPr id="8" name="图片 7"/>
+          <p:cNvPr id="9" name="图片 8"/>
           <p:cNvPicPr>
             <a:picLocks noChangeAspect="1"/>
           </p:cNvPicPr>
@@ -3974,8 +4047,8 @@
         </p:blipFill>
         <p:spPr>
           <a:xfrm>
-            <a:off x="439676" y="307638"/>
-            <a:ext cx="265554" cy="934751"/>
+            <a:off x="-22104" y="5391540"/>
+            <a:ext cx="5018936" cy="1334540"/>
           </a:xfrm>
           <a:prstGeom prst="rect">
             <a:avLst/>
@@ -3984,7 +4057,57 @@
       </p:pic>
       <p:pic>
         <p:nvPicPr>
-          <p:cNvPr id="9" name="图片 8"/>
+          <p:cNvPr id="7" name="图片 6"/>
+          <p:cNvPicPr>
+            <a:picLocks noChangeAspect="1"/>
+          </p:cNvPicPr>
+          <p:nvPr/>
+        </p:nvPicPr>
+        <p:blipFill rotWithShape="1">
+          <a:blip r:embed="rId3"/>
+          <a:srcRect l="13807"/>
+          <a:stretch>
+            <a:fillRect/>
+          </a:stretch>
+        </p:blipFill>
+        <p:spPr>
+          <a:xfrm>
+            <a:off x="4996832" y="5391540"/>
+            <a:ext cx="4325964" cy="1334540"/>
+          </a:xfrm>
+          <a:prstGeom prst="rect">
+            <a:avLst/>
+          </a:prstGeom>
+        </p:spPr>
+      </p:pic>
+      <p:pic>
+        <p:nvPicPr>
+          <p:cNvPr id="10" name="图片 9"/>
+          <p:cNvPicPr>
+            <a:picLocks noChangeAspect="1"/>
+          </p:cNvPicPr>
+          <p:nvPr/>
+        </p:nvPicPr>
+        <p:blipFill rotWithShape="1">
+          <a:blip r:embed="rId3"/>
+          <a:srcRect l="11337" r="31759"/>
+          <a:stretch>
+            <a:fillRect/>
+          </a:stretch>
+        </p:blipFill>
+        <p:spPr>
+          <a:xfrm flipH="1">
+            <a:off x="9322796" y="5391540"/>
+            <a:ext cx="2855952" cy="1334540"/>
+          </a:xfrm>
+          <a:prstGeom prst="rect">
+            <a:avLst/>
+          </a:prstGeom>
+        </p:spPr>
+      </p:pic>
+      <p:pic>
+        <p:nvPicPr>
+          <p:cNvPr id="5" name="图片 4"/>
           <p:cNvPicPr>
             <a:picLocks noChangeAspect="1"/>
           </p:cNvPicPr>
@@ -3998,8 +4121,8 @@
         </p:blipFill>
         <p:spPr>
           <a:xfrm>
-            <a:off x="-22104" y="5391540"/>
-            <a:ext cx="5018936" cy="1334540"/>
+            <a:off x="9515388" y="485139"/>
+            <a:ext cx="2358781" cy="579748"/>
           </a:xfrm>
           <a:prstGeom prst="rect">
             <a:avLst/>
@@ -4008,57 +4131,7 @@
       </p:pic>
       <p:pic>
         <p:nvPicPr>
-          <p:cNvPr id="7" name="图片 6"/>
-          <p:cNvPicPr>
-            <a:picLocks noChangeAspect="1"/>
-          </p:cNvPicPr>
-          <p:nvPr/>
-        </p:nvPicPr>
-        <p:blipFill rotWithShape="1">
-          <a:blip r:embed="rId4"/>
-          <a:srcRect l="13807"/>
-          <a:stretch>
-            <a:fillRect/>
-          </a:stretch>
-        </p:blipFill>
-        <p:spPr>
-          <a:xfrm>
-            <a:off x="4996832" y="5391540"/>
-            <a:ext cx="4325964" cy="1334540"/>
-          </a:xfrm>
-          <a:prstGeom prst="rect">
-            <a:avLst/>
-          </a:prstGeom>
-        </p:spPr>
-      </p:pic>
-      <p:pic>
-        <p:nvPicPr>
-          <p:cNvPr id="10" name="图片 9"/>
-          <p:cNvPicPr>
-            <a:picLocks noChangeAspect="1"/>
-          </p:cNvPicPr>
-          <p:nvPr/>
-        </p:nvPicPr>
-        <p:blipFill rotWithShape="1">
-          <a:blip r:embed="rId4"/>
-          <a:srcRect l="11337" r="31759"/>
-          <a:stretch>
-            <a:fillRect/>
-          </a:stretch>
-        </p:blipFill>
-        <p:spPr>
-          <a:xfrm flipH="1">
-            <a:off x="9322796" y="5391540"/>
-            <a:ext cx="2855952" cy="1334540"/>
-          </a:xfrm>
-          <a:prstGeom prst="rect">
-            <a:avLst/>
-          </a:prstGeom>
-        </p:spPr>
-      </p:pic>
-      <p:pic>
-        <p:nvPicPr>
-          <p:cNvPr id="5" name="图片 4"/>
+          <p:cNvPr id="4" name="图片 3"/>
           <p:cNvPicPr>
             <a:picLocks noChangeAspect="1"/>
           </p:cNvPicPr>
@@ -4072,8 +4145,8 @@
         </p:blipFill>
         <p:spPr>
           <a:xfrm>
-            <a:off x="9515388" y="485139"/>
-            <a:ext cx="2358781" cy="579748"/>
+            <a:off x="439420" y="1668145"/>
+            <a:ext cx="3430905" cy="2859405"/>
           </a:xfrm>
           <a:prstGeom prst="rect">
             <a:avLst/>
@@ -4082,7 +4155,7 @@
       </p:pic>
       <p:pic>
         <p:nvPicPr>
-          <p:cNvPr id="4" name="图片 3"/>
+          <p:cNvPr id="11" name="图片 10"/>
           <p:cNvPicPr>
             <a:picLocks noChangeAspect="1"/>
           </p:cNvPicPr>
@@ -4096,8 +4169,8 @@
         </p:blipFill>
         <p:spPr>
           <a:xfrm>
-            <a:off x="439420" y="1668145"/>
-            <a:ext cx="3430905" cy="2859405"/>
+            <a:off x="8443595" y="1675130"/>
+            <a:ext cx="3430270" cy="2859405"/>
           </a:xfrm>
           <a:prstGeom prst="rect">
             <a:avLst/>
@@ -4106,7 +4179,7 @@
       </p:pic>
       <p:pic>
         <p:nvPicPr>
-          <p:cNvPr id="11" name="图片 10"/>
+          <p:cNvPr id="13" name="图片 12"/>
           <p:cNvPicPr>
             <a:picLocks noChangeAspect="1"/>
           </p:cNvPicPr>
@@ -4120,30 +4193,6 @@
         </p:blipFill>
         <p:spPr>
           <a:xfrm>
-            <a:off x="8443595" y="1675130"/>
-            <a:ext cx="3430270" cy="2859405"/>
-          </a:xfrm>
-          <a:prstGeom prst="rect">
-            <a:avLst/>
-          </a:prstGeom>
-        </p:spPr>
-      </p:pic>
-      <p:pic>
-        <p:nvPicPr>
-          <p:cNvPr id="13" name="图片 12"/>
-          <p:cNvPicPr>
-            <a:picLocks noChangeAspect="1"/>
-          </p:cNvPicPr>
-          <p:nvPr/>
-        </p:nvPicPr>
-        <p:blipFill>
-          <a:blip r:embed="rId8"/>
-          <a:stretch>
-            <a:fillRect/>
-          </a:stretch>
-        </p:blipFill>
-        <p:spPr>
-          <a:xfrm>
             <a:off x="4754245" y="1731010"/>
             <a:ext cx="3296285" cy="2747645"/>
           </a:xfrm>
@@ -4157,13 +4206,13 @@
   <p:clrMapOvr>
     <a:masterClrMapping/>
   </p:clrMapOvr>
-  <mc:AlternateContent xmlns:mc="http://schemas.openxmlformats.org/markup-compatibility/2006" xmlns:p14="http://schemas.microsoft.com/office/powerpoint/2010/main">
-    <mc:Choice Requires="p14">
+  <mc:AlternateContent xmlns:mc="http://schemas.openxmlformats.org/markup-compatibility/2006">
+    <mc:Choice xmlns:p14="http://schemas.microsoft.com/office/powerpoint/2010/main" Requires="p14">
       <p:transition spd="med" p14:dur="700">
         <p:fade/>
       </p:transition>
     </mc:Choice>
-    <mc:Fallback xmlns="">
+    <mc:Fallback>
       <p:transition spd="med">
         <p:fade/>
       </p:transition>
@@ -4224,12 +4273,41 @@
               </a:rPr>
               <a:t>New model algorithm</a:t>
             </a:r>
+            <a:endParaRPr lang="en-US" sz="3200" b="1" dirty="0">
+              <a:latin typeface="微软雅黑" panose="020B0503020204020204" pitchFamily="34" charset="-122"/>
+              <a:ea typeface="微软雅黑" panose="020B0503020204020204" pitchFamily="34" charset="-122"/>
+              <a:sym typeface="+mn-ea"/>
+            </a:endParaRPr>
           </a:p>
         </p:txBody>
       </p:sp>
       <p:pic>
         <p:nvPicPr>
           <p:cNvPr id="3" name="图片 2"/>
+          <p:cNvPicPr>
+            <a:picLocks noChangeAspect="1"/>
+          </p:cNvPicPr>
+          <p:nvPr/>
+        </p:nvPicPr>
+        <p:blipFill>
+          <a:blip r:embed="rId1"/>
+          <a:stretch>
+            <a:fillRect/>
+          </a:stretch>
+        </p:blipFill>
+        <p:spPr>
+          <a:xfrm>
+            <a:off x="13252" y="4907605"/>
+            <a:ext cx="12192000" cy="1980925"/>
+          </a:xfrm>
+          <a:prstGeom prst="rect">
+            <a:avLst/>
+          </a:prstGeom>
+        </p:spPr>
+      </p:pic>
+      <p:pic>
+        <p:nvPicPr>
+          <p:cNvPr id="8" name="图片 7"/>
           <p:cNvPicPr>
             <a:picLocks noChangeAspect="1"/>
           </p:cNvPicPr>
@@ -4243,8 +4321,8 @@
         </p:blipFill>
         <p:spPr>
           <a:xfrm>
-            <a:off x="13252" y="4907605"/>
-            <a:ext cx="12192000" cy="1980925"/>
+            <a:off x="439676" y="307638"/>
+            <a:ext cx="265554" cy="934751"/>
           </a:xfrm>
           <a:prstGeom prst="rect">
             <a:avLst/>
@@ -4253,7 +4331,7 @@
       </p:pic>
       <p:pic>
         <p:nvPicPr>
-          <p:cNvPr id="8" name="图片 7"/>
+          <p:cNvPr id="9" name="图片 8"/>
           <p:cNvPicPr>
             <a:picLocks noChangeAspect="1"/>
           </p:cNvPicPr>
@@ -4267,8 +4345,8 @@
         </p:blipFill>
         <p:spPr>
           <a:xfrm>
-            <a:off x="439676" y="307638"/>
-            <a:ext cx="265554" cy="934751"/>
+            <a:off x="-22104" y="5391540"/>
+            <a:ext cx="5018936" cy="1334540"/>
           </a:xfrm>
           <a:prstGeom prst="rect">
             <a:avLst/>
@@ -4277,7 +4355,57 @@
       </p:pic>
       <p:pic>
         <p:nvPicPr>
-          <p:cNvPr id="9" name="图片 8"/>
+          <p:cNvPr id="7" name="图片 6"/>
+          <p:cNvPicPr>
+            <a:picLocks noChangeAspect="1"/>
+          </p:cNvPicPr>
+          <p:nvPr/>
+        </p:nvPicPr>
+        <p:blipFill rotWithShape="1">
+          <a:blip r:embed="rId3"/>
+          <a:srcRect l="13807"/>
+          <a:stretch>
+            <a:fillRect/>
+          </a:stretch>
+        </p:blipFill>
+        <p:spPr>
+          <a:xfrm>
+            <a:off x="4996832" y="5391540"/>
+            <a:ext cx="4325964" cy="1334540"/>
+          </a:xfrm>
+          <a:prstGeom prst="rect">
+            <a:avLst/>
+          </a:prstGeom>
+        </p:spPr>
+      </p:pic>
+      <p:pic>
+        <p:nvPicPr>
+          <p:cNvPr id="10" name="图片 9"/>
+          <p:cNvPicPr>
+            <a:picLocks noChangeAspect="1"/>
+          </p:cNvPicPr>
+          <p:nvPr/>
+        </p:nvPicPr>
+        <p:blipFill rotWithShape="1">
+          <a:blip r:embed="rId3"/>
+          <a:srcRect l="11337" r="31759"/>
+          <a:stretch>
+            <a:fillRect/>
+          </a:stretch>
+        </p:blipFill>
+        <p:spPr>
+          <a:xfrm flipH="1">
+            <a:off x="9322796" y="5391540"/>
+            <a:ext cx="2855952" cy="1334540"/>
+          </a:xfrm>
+          <a:prstGeom prst="rect">
+            <a:avLst/>
+          </a:prstGeom>
+        </p:spPr>
+      </p:pic>
+      <p:pic>
+        <p:nvPicPr>
+          <p:cNvPr id="5" name="图片 4"/>
           <p:cNvPicPr>
             <a:picLocks noChangeAspect="1"/>
           </p:cNvPicPr>
@@ -4291,8 +4419,8 @@
         </p:blipFill>
         <p:spPr>
           <a:xfrm>
-            <a:off x="-22104" y="5391540"/>
-            <a:ext cx="5018936" cy="1334540"/>
+            <a:off x="9515388" y="485139"/>
+            <a:ext cx="2358781" cy="579748"/>
           </a:xfrm>
           <a:prstGeom prst="rect">
             <a:avLst/>
@@ -4301,94 +4429,14 @@
       </p:pic>
       <p:pic>
         <p:nvPicPr>
-          <p:cNvPr id="7" name="图片 6"/>
-          <p:cNvPicPr>
-            <a:picLocks noChangeAspect="1"/>
-          </p:cNvPicPr>
-          <p:nvPr/>
-        </p:nvPicPr>
-        <p:blipFill rotWithShape="1">
-          <a:blip r:embed="rId4"/>
-          <a:srcRect l="13807"/>
-          <a:stretch>
-            <a:fillRect/>
-          </a:stretch>
-        </p:blipFill>
-        <p:spPr>
-          <a:xfrm>
-            <a:off x="4996832" y="5391540"/>
-            <a:ext cx="4325964" cy="1334540"/>
-          </a:xfrm>
-          <a:prstGeom prst="rect">
-            <a:avLst/>
-          </a:prstGeom>
-        </p:spPr>
-      </p:pic>
-      <p:pic>
-        <p:nvPicPr>
-          <p:cNvPr id="10" name="图片 9"/>
-          <p:cNvPicPr>
-            <a:picLocks noChangeAspect="1"/>
-          </p:cNvPicPr>
-          <p:nvPr/>
-        </p:nvPicPr>
-        <p:blipFill rotWithShape="1">
-          <a:blip r:embed="rId4"/>
-          <a:srcRect l="11337" r="31759"/>
-          <a:stretch>
-            <a:fillRect/>
-          </a:stretch>
-        </p:blipFill>
-        <p:spPr>
-          <a:xfrm flipH="1">
-            <a:off x="9322796" y="5391540"/>
-            <a:ext cx="2855952" cy="1334540"/>
-          </a:xfrm>
-          <a:prstGeom prst="rect">
-            <a:avLst/>
-          </a:prstGeom>
-        </p:spPr>
-      </p:pic>
-      <p:pic>
-        <p:nvPicPr>
-          <p:cNvPr id="5" name="图片 4"/>
+          <p:cNvPr id="6" name="图片 5"/>
           <p:cNvPicPr>
             <a:picLocks noChangeAspect="1"/>
           </p:cNvPicPr>
           <p:nvPr/>
         </p:nvPicPr>
         <p:blipFill>
-          <a:blip r:embed="rId5"/>
-          <a:stretch>
-            <a:fillRect/>
-          </a:stretch>
-        </p:blipFill>
-        <p:spPr>
-          <a:xfrm>
-            <a:off x="9515388" y="485139"/>
-            <a:ext cx="2358781" cy="579748"/>
-          </a:xfrm>
-          <a:prstGeom prst="rect">
-            <a:avLst/>
-          </a:prstGeom>
-        </p:spPr>
-      </p:pic>
-      <p:pic>
-        <p:nvPicPr>
-          <p:cNvPr id="6" name="图片 5">
-            <a:extLst>
-              <a:ext uri="{FF2B5EF4-FFF2-40B4-BE49-F238E27FC236}">
-                <a16:creationId xmlns:a16="http://schemas.microsoft.com/office/drawing/2014/main" id="{9B77A38F-FE25-AAED-37EA-2A40ACF7E496}"/>
-              </a:ext>
-            </a:extLst>
-          </p:cNvPr>
-          <p:cNvPicPr>
-            <a:picLocks noChangeAspect="1"/>
-          </p:cNvPicPr>
-          <p:nvPr/>
-        </p:nvPicPr>
-        <p:blipFill>
-          <a:blip r:embed="rId6" cstate="print">
+          <a:blip r:embed="rId5" cstate="print">
             <a:extLst>
               <a:ext uri="{28A0092B-C50C-407E-A947-70E740481C1C}">
                 <a14:useLocalDpi xmlns:a14="http://schemas.microsoft.com/office/drawing/2010/main" val="0"/>
@@ -4401,8 +4449,8 @@
         </p:blipFill>
         <p:spPr>
           <a:xfrm rot="16433337">
-            <a:off x="3745480" y="627970"/>
-            <a:ext cx="3827699" cy="5414982"/>
+            <a:off x="3859530" y="254635"/>
+            <a:ext cx="5047615" cy="7141210"/>
           </a:xfrm>
           <a:prstGeom prst="rect">
             <a:avLst/>
@@ -4414,13 +4462,13 @@
   <p:clrMapOvr>
     <a:masterClrMapping/>
   </p:clrMapOvr>
-  <mc:AlternateContent xmlns:mc="http://schemas.openxmlformats.org/markup-compatibility/2006" xmlns:p14="http://schemas.microsoft.com/office/powerpoint/2010/main">
-    <mc:Choice Requires="p14">
+  <mc:AlternateContent xmlns:mc="http://schemas.openxmlformats.org/markup-compatibility/2006">
+    <mc:Choice xmlns:p14="http://schemas.microsoft.com/office/powerpoint/2010/main" Requires="p14">
       <p:transition spd="med" p14:dur="700">
         <p:fade/>
       </p:transition>
     </mc:Choice>
-    <mc:Fallback xmlns="">
+    <mc:Fallback>
       <p:transition spd="med">
         <p:fade/>
       </p:transition>
@@ -4491,6 +4539,30 @@
           <p:nvPr/>
         </p:nvPicPr>
         <p:blipFill>
+          <a:blip r:embed="rId1"/>
+          <a:stretch>
+            <a:fillRect/>
+          </a:stretch>
+        </p:blipFill>
+        <p:spPr>
+          <a:xfrm>
+            <a:off x="-22104" y="4877075"/>
+            <a:ext cx="12192000" cy="1980925"/>
+          </a:xfrm>
+          <a:prstGeom prst="rect">
+            <a:avLst/>
+          </a:prstGeom>
+        </p:spPr>
+      </p:pic>
+      <p:pic>
+        <p:nvPicPr>
+          <p:cNvPr id="9" name="图片 8"/>
+          <p:cNvPicPr>
+            <a:picLocks noChangeAspect="1"/>
+          </p:cNvPicPr>
+          <p:nvPr/>
+        </p:nvPicPr>
+        <p:blipFill>
           <a:blip r:embed="rId2"/>
           <a:stretch>
             <a:fillRect/>
@@ -4498,8 +4570,8 @@
         </p:blipFill>
         <p:spPr>
           <a:xfrm>
-            <a:off x="-22104" y="4877075"/>
-            <a:ext cx="12192000" cy="1980925"/>
+            <a:off x="-22104" y="5391540"/>
+            <a:ext cx="5018936" cy="1334540"/>
           </a:xfrm>
           <a:prstGeom prst="rect">
             <a:avLst/>
@@ -4508,7 +4580,57 @@
       </p:pic>
       <p:pic>
         <p:nvPicPr>
-          <p:cNvPr id="9" name="图片 8"/>
+          <p:cNvPr id="7" name="图片 6"/>
+          <p:cNvPicPr>
+            <a:picLocks noChangeAspect="1"/>
+          </p:cNvPicPr>
+          <p:nvPr/>
+        </p:nvPicPr>
+        <p:blipFill rotWithShape="1">
+          <a:blip r:embed="rId2"/>
+          <a:srcRect l="13807"/>
+          <a:stretch>
+            <a:fillRect/>
+          </a:stretch>
+        </p:blipFill>
+        <p:spPr>
+          <a:xfrm>
+            <a:off x="4996832" y="5391540"/>
+            <a:ext cx="4325964" cy="1334540"/>
+          </a:xfrm>
+          <a:prstGeom prst="rect">
+            <a:avLst/>
+          </a:prstGeom>
+        </p:spPr>
+      </p:pic>
+      <p:pic>
+        <p:nvPicPr>
+          <p:cNvPr id="10" name="图片 9"/>
+          <p:cNvPicPr>
+            <a:picLocks noChangeAspect="1"/>
+          </p:cNvPicPr>
+          <p:nvPr/>
+        </p:nvPicPr>
+        <p:blipFill rotWithShape="1">
+          <a:blip r:embed="rId2"/>
+          <a:srcRect l="11337" r="31759"/>
+          <a:stretch>
+            <a:fillRect/>
+          </a:stretch>
+        </p:blipFill>
+        <p:spPr>
+          <a:xfrm flipH="1">
+            <a:off x="9322796" y="5391540"/>
+            <a:ext cx="2855952" cy="1334540"/>
+          </a:xfrm>
+          <a:prstGeom prst="rect">
+            <a:avLst/>
+          </a:prstGeom>
+        </p:spPr>
+      </p:pic>
+      <p:pic>
+        <p:nvPicPr>
+          <p:cNvPr id="5" name="图片 4"/>
           <p:cNvPicPr>
             <a:picLocks noChangeAspect="1"/>
           </p:cNvPicPr>
@@ -4522,80 +4644,6 @@
         </p:blipFill>
         <p:spPr>
           <a:xfrm>
-            <a:off x="-22104" y="5391540"/>
-            <a:ext cx="5018936" cy="1334540"/>
-          </a:xfrm>
-          <a:prstGeom prst="rect">
-            <a:avLst/>
-          </a:prstGeom>
-        </p:spPr>
-      </p:pic>
-      <p:pic>
-        <p:nvPicPr>
-          <p:cNvPr id="7" name="图片 6"/>
-          <p:cNvPicPr>
-            <a:picLocks noChangeAspect="1"/>
-          </p:cNvPicPr>
-          <p:nvPr/>
-        </p:nvPicPr>
-        <p:blipFill rotWithShape="1">
-          <a:blip r:embed="rId3"/>
-          <a:srcRect l="13807"/>
-          <a:stretch>
-            <a:fillRect/>
-          </a:stretch>
-        </p:blipFill>
-        <p:spPr>
-          <a:xfrm>
-            <a:off x="4996832" y="5391540"/>
-            <a:ext cx="4325964" cy="1334540"/>
-          </a:xfrm>
-          <a:prstGeom prst="rect">
-            <a:avLst/>
-          </a:prstGeom>
-        </p:spPr>
-      </p:pic>
-      <p:pic>
-        <p:nvPicPr>
-          <p:cNvPr id="10" name="图片 9"/>
-          <p:cNvPicPr>
-            <a:picLocks noChangeAspect="1"/>
-          </p:cNvPicPr>
-          <p:nvPr/>
-        </p:nvPicPr>
-        <p:blipFill rotWithShape="1">
-          <a:blip r:embed="rId3"/>
-          <a:srcRect l="11337" r="31759"/>
-          <a:stretch>
-            <a:fillRect/>
-          </a:stretch>
-        </p:blipFill>
-        <p:spPr>
-          <a:xfrm flipH="1">
-            <a:off x="9322796" y="5391540"/>
-            <a:ext cx="2855952" cy="1334540"/>
-          </a:xfrm>
-          <a:prstGeom prst="rect">
-            <a:avLst/>
-          </a:prstGeom>
-        </p:spPr>
-      </p:pic>
-      <p:pic>
-        <p:nvPicPr>
-          <p:cNvPr id="5" name="图片 4"/>
-          <p:cNvPicPr>
-            <a:picLocks noChangeAspect="1"/>
-          </p:cNvPicPr>
-          <p:nvPr/>
-        </p:nvPicPr>
-        <p:blipFill>
-          <a:blip r:embed="rId4"/>
-          <a:stretch>
-            <a:fillRect/>
-          </a:stretch>
-        </p:blipFill>
-        <p:spPr>
-          <a:xfrm>
             <a:off x="455208" y="401319"/>
             <a:ext cx="2358781" cy="579748"/>
           </a:xfrm>
@@ -4613,7 +4661,7 @@
           <p:nvPr/>
         </p:nvPicPr>
         <p:blipFill rotWithShape="1">
-          <a:blip r:embed="rId2"/>
+          <a:blip r:embed="rId1"/>
           <a:srcRect t="88348" r="72886"/>
           <a:stretch>
             <a:fillRect/>
@@ -4680,13 +4728,13 @@
   <p:clrMapOvr>
     <a:masterClrMapping/>
   </p:clrMapOvr>
-  <mc:AlternateContent xmlns:mc="http://schemas.openxmlformats.org/markup-compatibility/2006" xmlns:p14="http://schemas.microsoft.com/office/powerpoint/2010/main">
-    <mc:Choice Requires="p14">
+  <mc:AlternateContent xmlns:mc="http://schemas.openxmlformats.org/markup-compatibility/2006">
+    <mc:Choice xmlns:p14="http://schemas.microsoft.com/office/powerpoint/2010/main" Requires="p14">
       <p:transition spd="med" p14:dur="700">
         <p:fade/>
       </p:transition>
     </mc:Choice>
-    <mc:Fallback xmlns="">
+    <mc:Fallback>
       <p:transition spd="med">
         <p:fade/>
       </p:transition>
@@ -4946,8 +4994,6 @@
       </a:bgFillStyleLst>
     </a:fmtScheme>
   </a:themeElements>
-  <a:objectDefaults/>
-  <a:extraClrSchemeLst/>
   <a:extLst>
     <a:ext uri="{05A4C25C-085E-4340-85A3-A5531E510DB2}">
       <thm15:themeFamily xmlns:thm15="http://schemas.microsoft.com/office/thememl/2012/main" name="Office Theme" id="{62F939B6-93AF-4DB8-9C6B-D6C7DFDC589F}" vid="{4A3C46E8-61CC-4603-A589-7422A47A8E4A}"/>
@@ -5207,8 +5253,6 @@
       </a:bgFillStyleLst>
     </a:fmtScheme>
   </a:themeElements>
-  <a:objectDefaults/>
-  <a:extraClrSchemeLst/>
   <a:extLst>
     <a:ext uri="{05A4C25C-085E-4340-85A3-A5531E510DB2}">
       <thm15:themeFamily xmlns:thm15="http://schemas.microsoft.com/office/thememl/2012/main" name="Office Theme" id="{62F939B6-93AF-4DB8-9C6B-D6C7DFDC589F}" vid="{4A3C46E8-61CC-4603-A589-7422A47A8E4A}"/>
